--- a/Choreography_with_Code_FEMMES_Nov_11_2017.pptx
+++ b/Choreography_with_Code_FEMMES_Nov_11_2017.pptx
@@ -32,6 +32,7 @@
     <p:sldId id="276" r:id="rId26"/>
     <p:sldId id="277" r:id="rId27"/>
     <p:sldId id="278" r:id="rId28"/>
+    <p:sldId id="279" r:id="rId29"/>
   </p:sldIdLst>
   <p:sldSz cy="5143500" cx="9144000"/>
   <p:notesSz cx="6858000" cy="9144000"/>
@@ -2347,6 +2348,101 @@
               <a:rPr lang="en"/>
               <a:t>Answer</a:t>
             </a:r>
+          </a:p>
+        </p:txBody>
+      </p:sp>
+    </p:spTree>
+  </p:cSld>
+  <p:clrMapOvr>
+    <a:masterClrMapping/>
+  </p:clrMapOvr>
+</p:notes>
+</file>
+
+<file path=ppt/notesSlides/notesSlide24.xml><?xml version="1.0" encoding="utf-8"?>
+<p:notes xmlns:a="http://schemas.openxmlformats.org/drawingml/2006/main" xmlns:r="http://schemas.openxmlformats.org/officeDocument/2006/relationships" xmlns:mc="http://schemas.openxmlformats.org/markup-compatibility/2006" xmlns:mv="urn:schemas-microsoft-com:mac:vml" xmlns:p="http://schemas.openxmlformats.org/presentationml/2006/main" xmlns:c="http://schemas.openxmlformats.org/drawingml/2006/chart" xmlns:dgm="http://schemas.openxmlformats.org/drawingml/2006/diagram" xmlns:o="urn:schemas-microsoft-com:office:office" xmlns:v="urn:schemas-microsoft-com:vml" xmlns:pvml="urn:schemas-microsoft-com:office:powerpoint" xmlns:com="http://schemas.openxmlformats.org/drawingml/2006/compatibility" xmlns:p14="http://schemas.microsoft.com/office/powerpoint/2010/main" xmlns:p15="http://schemas.microsoft.com/office/powerpoint/2012/main" showMasterPhAnim="0" showMasterSp="0">
+  <p:cSld>
+    <p:spTree>
+      <p:nvGrpSpPr>
+        <p:cNvPr id="335" name="Shape 335"/>
+        <p:cNvGrpSpPr/>
+        <p:nvPr/>
+      </p:nvGrpSpPr>
+      <p:grpSpPr>
+        <a:xfrm>
+          <a:off x="0" y="0"/>
+          <a:ext cx="0" cy="0"/>
+          <a:chOff x="0" y="0"/>
+          <a:chExt cx="0" cy="0"/>
+        </a:xfrm>
+      </p:grpSpPr>
+      <p:sp>
+        <p:nvSpPr>
+          <p:cNvPr id="336" name="Shape 336"/>
+          <p:cNvSpPr/>
+          <p:nvPr>
+            <p:ph idx="2" type="sldImg"/>
+          </p:nvPr>
+        </p:nvSpPr>
+        <p:spPr>
+          <a:xfrm>
+            <a:off x="381300" y="685800"/>
+            <a:ext cx="6096000" cy="3429000"/>
+          </a:xfrm>
+          <a:custGeom>
+            <a:pathLst>
+              <a:path extrusionOk="0" h="120000" w="120000">
+                <a:moveTo>
+                  <a:pt x="0" y="0"/>
+                </a:moveTo>
+                <a:lnTo>
+                  <a:pt x="120000" y="0"/>
+                </a:lnTo>
+                <a:lnTo>
+                  <a:pt x="120000" y="120000"/>
+                </a:lnTo>
+                <a:lnTo>
+                  <a:pt x="0" y="120000"/>
+                </a:lnTo>
+                <a:close/>
+              </a:path>
+            </a:pathLst>
+          </a:custGeom>
+        </p:spPr>
+      </p:sp>
+      <p:sp>
+        <p:nvSpPr>
+          <p:cNvPr id="337" name="Shape 337"/>
+          <p:cNvSpPr txBox="1"/>
+          <p:nvPr>
+            <p:ph idx="1" type="body"/>
+          </p:nvPr>
+        </p:nvSpPr>
+        <p:spPr>
+          <a:xfrm>
+            <a:off x="685800" y="4343400"/>
+            <a:ext cx="5486400" cy="4114800"/>
+          </a:xfrm>
+          <a:prstGeom prst="rect">
+            <a:avLst/>
+          </a:prstGeom>
+        </p:spPr>
+        <p:txBody>
+          <a:bodyPr anchorCtr="0" anchor="t" bIns="91425" lIns="91425" rIns="91425" wrap="square" tIns="91425">
+            <a:noAutofit/>
+          </a:bodyPr>
+          <a:lstStyle/>
+          <a:p>
+            <a:pPr lvl="0">
+              <a:spcBef>
+                <a:spcPts val="0"/>
+              </a:spcBef>
+              <a:buNone/>
+            </a:pPr>
+            <a:r>
+              <a:t/>
+            </a:r>
+            <a:endParaRPr/>
           </a:p>
         </p:txBody>
       </p:sp>
@@ -23423,6 +23519,169 @@
 </p:sld>
 </file>
 
+<file path=ppt/slides/slide24.xml><?xml version="1.0" encoding="utf-8"?>
+<p:sld xmlns:a="http://schemas.openxmlformats.org/drawingml/2006/main" xmlns:r="http://schemas.openxmlformats.org/officeDocument/2006/relationships" xmlns:mc="http://schemas.openxmlformats.org/markup-compatibility/2006" xmlns:mv="urn:schemas-microsoft-com:mac:vml" xmlns:p="http://schemas.openxmlformats.org/presentationml/2006/main" xmlns:c="http://schemas.openxmlformats.org/drawingml/2006/chart" xmlns:dgm="http://schemas.openxmlformats.org/drawingml/2006/diagram" xmlns:o="urn:schemas-microsoft-com:office:office" xmlns:v="urn:schemas-microsoft-com:vml" xmlns:pvml="urn:schemas-microsoft-com:office:powerpoint" xmlns:com="http://schemas.openxmlformats.org/drawingml/2006/compatibility" xmlns:p14="http://schemas.microsoft.com/office/powerpoint/2010/main" xmlns:p15="http://schemas.microsoft.com/office/powerpoint/2012/main">
+  <p:cSld>
+    <p:spTree>
+      <p:nvGrpSpPr>
+        <p:cNvPr id="338" name="Shape 338"/>
+        <p:cNvGrpSpPr/>
+        <p:nvPr/>
+      </p:nvGrpSpPr>
+      <p:grpSpPr>
+        <a:xfrm>
+          <a:off x="0" y="0"/>
+          <a:ext cx="0" cy="0"/>
+          <a:chOff x="0" y="0"/>
+          <a:chExt cx="0" cy="0"/>
+        </a:xfrm>
+      </p:grpSpPr>
+      <p:sp>
+        <p:nvSpPr>
+          <p:cNvPr id="339" name="Shape 339"/>
+          <p:cNvSpPr txBox="1"/>
+          <p:nvPr>
+            <p:ph idx="1" type="body"/>
+          </p:nvPr>
+        </p:nvSpPr>
+        <p:spPr>
+          <a:xfrm>
+            <a:off x="311700" y="1152475"/>
+            <a:ext cx="8520600" cy="3416400"/>
+          </a:xfrm>
+          <a:prstGeom prst="rect">
+            <a:avLst/>
+          </a:prstGeom>
+        </p:spPr>
+        <p:txBody>
+          <a:bodyPr anchorCtr="0" anchor="t" bIns="91425" lIns="91425" rIns="91425" wrap="square" tIns="91425">
+            <a:noAutofit/>
+          </a:bodyPr>
+          <a:lstStyle/>
+          <a:p>
+            <a:pPr lvl="0">
+              <a:spcBef>
+                <a:spcPts val="0"/>
+              </a:spcBef>
+              <a:buNone/>
+            </a:pPr>
+            <a:r>
+              <a:t/>
+            </a:r>
+            <a:endParaRPr/>
+          </a:p>
+        </p:txBody>
+      </p:sp>
+      <p:pic>
+        <p:nvPicPr>
+          <p:cNvPr id="340" name="Shape 340"/>
+          <p:cNvPicPr preferRelativeResize="0"/>
+          <p:nvPr/>
+        </p:nvPicPr>
+        <p:blipFill>
+          <a:blip r:embed="rId3">
+            <a:alphaModFix/>
+          </a:blip>
+          <a:stretch>
+            <a:fillRect/>
+          </a:stretch>
+        </p:blipFill>
+        <p:spPr>
+          <a:xfrm>
+            <a:off x="2848999" y="666050"/>
+            <a:ext cx="3446025" cy="4389250"/>
+          </a:xfrm>
+          <a:prstGeom prst="rect">
+            <a:avLst/>
+          </a:prstGeom>
+          <a:noFill/>
+          <a:ln>
+            <a:noFill/>
+          </a:ln>
+        </p:spPr>
+      </p:pic>
+      <p:sp>
+        <p:nvSpPr>
+          <p:cNvPr id="341" name="Shape 341"/>
+          <p:cNvSpPr txBox="1"/>
+          <p:nvPr>
+            <p:ph type="title"/>
+          </p:nvPr>
+        </p:nvSpPr>
+        <p:spPr>
+          <a:xfrm>
+            <a:off x="311700" y="93350"/>
+            <a:ext cx="8520600" cy="572700"/>
+          </a:xfrm>
+          <a:prstGeom prst="rect">
+            <a:avLst/>
+          </a:prstGeom>
+        </p:spPr>
+        <p:txBody>
+          <a:bodyPr anchorCtr="0" anchor="t" bIns="91425" lIns="91425" rIns="91425" wrap="square" tIns="91425">
+            <a:noAutofit/>
+          </a:bodyPr>
+          <a:lstStyle/>
+          <a:p>
+            <a:pPr lvl="0" rtl="0">
+              <a:spcBef>
+                <a:spcPts val="0"/>
+              </a:spcBef>
+              <a:buClr>
+                <a:schemeClr val="dk1"/>
+              </a:buClr>
+              <a:buSzPct val="39285"/>
+              <a:buFont typeface="Arial"/>
+              <a:buNone/>
+            </a:pPr>
+            <a:r>
+              <a:rPr lang="en">
+                <a:solidFill>
+                  <a:srgbClr val="002060"/>
+                </a:solidFill>
+              </a:rPr>
+              <a:t>Choreography with Code</a:t>
+            </a:r>
+          </a:p>
+          <a:p>
+            <a:pPr lvl="0" rtl="0">
+              <a:spcBef>
+                <a:spcPts val="0"/>
+              </a:spcBef>
+              <a:buClr>
+                <a:schemeClr val="dk1"/>
+              </a:buClr>
+              <a:buSzPct val="39285"/>
+              <a:buFont typeface="Arial"/>
+              <a:buNone/>
+            </a:pPr>
+            <a:r>
+              <a:t/>
+            </a:r>
+            <a:endParaRPr/>
+          </a:p>
+          <a:p>
+            <a:pPr lvl="0" rtl="0">
+              <a:spcBef>
+                <a:spcPts val="0"/>
+              </a:spcBef>
+              <a:buNone/>
+            </a:pPr>
+            <a:r>
+              <a:t/>
+            </a:r>
+            <a:endParaRPr/>
+          </a:p>
+        </p:txBody>
+      </p:sp>
+    </p:spTree>
+  </p:cSld>
+  <p:clrMapOvr>
+    <a:masterClrMapping/>
+  </p:clrMapOvr>
+</p:sld>
+</file>
+
 <file path=ppt/slides/slide3.xml><?xml version="1.0" encoding="utf-8"?>
 <p:sld xmlns:a="http://schemas.openxmlformats.org/drawingml/2006/main" xmlns:r="http://schemas.openxmlformats.org/officeDocument/2006/relationships" xmlns:mc="http://schemas.openxmlformats.org/markup-compatibility/2006" xmlns:mv="urn:schemas-microsoft-com:mac:vml" xmlns:p="http://schemas.openxmlformats.org/presentationml/2006/main" xmlns:c="http://schemas.openxmlformats.org/drawingml/2006/chart" xmlns:dgm="http://schemas.openxmlformats.org/drawingml/2006/diagram" xmlns:o="urn:schemas-microsoft-com:office:office" xmlns:v="urn:schemas-microsoft-com:vml" xmlns:pvml="urn:schemas-microsoft-com:office:powerpoint" xmlns:com="http://schemas.openxmlformats.org/drawingml/2006/compatibility" xmlns:p14="http://schemas.microsoft.com/office/powerpoint/2010/main" xmlns:p15="http://schemas.microsoft.com/office/powerpoint/2012/main">
   <p:cSld>
@@ -25246,9 +25505,9 @@
 </file>
 
 <file path=ppt/theme/theme1.xml><?xml version="1.0" encoding="utf-8"?>
-<a:theme xmlns:a="http://schemas.openxmlformats.org/drawingml/2006/main" xmlns:r="http://schemas.openxmlformats.org/officeDocument/2006/relationships" name="Simple Light">
+<a:theme xmlns:a="http://schemas.openxmlformats.org/drawingml/2006/main" xmlns:r="http://schemas.openxmlformats.org/officeDocument/2006/relationships" name="Custom Theme">
   <a:themeElements>
-    <a:clrScheme name="Simple Light">
+    <a:clrScheme name="Default">
       <a:dk1>
         <a:srgbClr val="000000"/>
       </a:dk1>
@@ -25256,34 +25515,34 @@
         <a:srgbClr val="FFFFFF"/>
       </a:lt1>
       <a:dk2>
-        <a:srgbClr val="595959"/>
+        <a:srgbClr val="158158"/>
       </a:dk2>
       <a:lt2>
-        <a:srgbClr val="EEEEEE"/>
+        <a:srgbClr val="F3F3F3"/>
       </a:lt2>
       <a:accent1>
-        <a:srgbClr val="FFAB40"/>
+        <a:srgbClr val="058DC7"/>
       </a:accent1>
       <a:accent2>
-        <a:srgbClr val="212121"/>
+        <a:srgbClr val="50B432"/>
       </a:accent2>
       <a:accent3>
-        <a:srgbClr val="78909C"/>
+        <a:srgbClr val="ED561B"/>
       </a:accent3>
       <a:accent4>
-        <a:srgbClr val="FFAB40"/>
+        <a:srgbClr val="EDEF00"/>
       </a:accent4>
       <a:accent5>
-        <a:srgbClr val="0097A7"/>
+        <a:srgbClr val="24CBE5"/>
       </a:accent5>
       <a:accent6>
-        <a:srgbClr val="EEFF41"/>
+        <a:srgbClr val="64E572"/>
       </a:accent6>
       <a:hlink>
-        <a:srgbClr val="0097A7"/>
+        <a:srgbClr val="2200CC"/>
       </a:hlink>
       <a:folHlink>
-        <a:srgbClr val="0097A7"/>
+        <a:srgbClr val="551A8B"/>
       </a:folHlink>
     </a:clrScheme>
     <a:fontScheme name="Office">
@@ -25525,9 +25784,9 @@
 </file>
 
 <file path=ppt/theme/theme2.xml><?xml version="1.0" encoding="utf-8"?>
-<a:theme xmlns:a="http://schemas.openxmlformats.org/drawingml/2006/main" xmlns:r="http://schemas.openxmlformats.org/officeDocument/2006/relationships" name="Custom Theme">
+<a:theme xmlns:a="http://schemas.openxmlformats.org/drawingml/2006/main" xmlns:r="http://schemas.openxmlformats.org/officeDocument/2006/relationships" name="Simple Light">
   <a:themeElements>
-    <a:clrScheme name="Default">
+    <a:clrScheme name="Simple Light">
       <a:dk1>
         <a:srgbClr val="000000"/>
       </a:dk1>
@@ -25535,34 +25794,34 @@
         <a:srgbClr val="FFFFFF"/>
       </a:lt1>
       <a:dk2>
-        <a:srgbClr val="158158"/>
+        <a:srgbClr val="595959"/>
       </a:dk2>
       <a:lt2>
-        <a:srgbClr val="F3F3F3"/>
+        <a:srgbClr val="EEEEEE"/>
       </a:lt2>
       <a:accent1>
-        <a:srgbClr val="058DC7"/>
+        <a:srgbClr val="FFAB40"/>
       </a:accent1>
       <a:accent2>
-        <a:srgbClr val="50B432"/>
+        <a:srgbClr val="212121"/>
       </a:accent2>
       <a:accent3>
-        <a:srgbClr val="ED561B"/>
+        <a:srgbClr val="78909C"/>
       </a:accent3>
       <a:accent4>
-        <a:srgbClr val="EDEF00"/>
+        <a:srgbClr val="FFAB40"/>
       </a:accent4>
       <a:accent5>
-        <a:srgbClr val="24CBE5"/>
+        <a:srgbClr val="0097A7"/>
       </a:accent5>
       <a:accent6>
-        <a:srgbClr val="64E572"/>
+        <a:srgbClr val="EEFF41"/>
       </a:accent6>
       <a:hlink>
-        <a:srgbClr val="2200CC"/>
+        <a:srgbClr val="0097A7"/>
       </a:hlink>
       <a:folHlink>
-        <a:srgbClr val="551A8B"/>
+        <a:srgbClr val="0097A7"/>
       </a:folHlink>
     </a:clrScheme>
     <a:fontScheme name="Office">
